--- a/Assets/StreamingAssets/2D_Objects/Test/~Test Instructions.pptx
+++ b/Assets/StreamingAssets/2D_Objects/Test/~Test Instructions.pptx
@@ -6,14 +6,14 @@
   </p:sldMasterIdLst>
   <p:sldIdLst>
     <p:sldId id="256" r:id="rId2"/>
-    <p:sldId id="276" r:id="rId3"/>
+    <p:sldId id="282" r:id="rId3"/>
     <p:sldId id="265" r:id="rId4"/>
     <p:sldId id="273" r:id="rId5"/>
     <p:sldId id="281" r:id="rId6"/>
     <p:sldId id="268" r:id="rId7"/>
     <p:sldId id="275" r:id="rId8"/>
     <p:sldId id="274" r:id="rId9"/>
-    <p:sldId id="270" r:id="rId10"/>
+    <p:sldId id="283" r:id="rId10"/>
     <p:sldId id="262" r:id="rId11"/>
     <p:sldId id="271" r:id="rId12"/>
     <p:sldId id="258" r:id="rId13"/>
@@ -270,7 +270,7 @@
           <a:p>
             <a:fld id="{43D9F887-C526-42E2-BE1C-7F1C55940A26}" type="datetimeFigureOut">
               <a:rPr lang="en-US" smtClean="0"/>
-              <a:t>6/11/2020</a:t>
+              <a:t>6/12/20</a:t>
             </a:fld>
             <a:endParaRPr lang="en-US"/>
           </a:p>
@@ -468,7 +468,7 @@
           <a:p>
             <a:fld id="{43D9F887-C526-42E2-BE1C-7F1C55940A26}" type="datetimeFigureOut">
               <a:rPr lang="en-US" smtClean="0"/>
-              <a:t>6/11/2020</a:t>
+              <a:t>6/12/20</a:t>
             </a:fld>
             <a:endParaRPr lang="en-US"/>
           </a:p>
@@ -676,7 +676,7 @@
           <a:p>
             <a:fld id="{43D9F887-C526-42E2-BE1C-7F1C55940A26}" type="datetimeFigureOut">
               <a:rPr lang="en-US" smtClean="0"/>
-              <a:t>6/11/2020</a:t>
+              <a:t>6/12/20</a:t>
             </a:fld>
             <a:endParaRPr lang="en-US"/>
           </a:p>
@@ -874,7 +874,7 @@
           <a:p>
             <a:fld id="{43D9F887-C526-42E2-BE1C-7F1C55940A26}" type="datetimeFigureOut">
               <a:rPr lang="en-US" smtClean="0"/>
-              <a:t>6/11/2020</a:t>
+              <a:t>6/12/20</a:t>
             </a:fld>
             <a:endParaRPr lang="en-US"/>
           </a:p>
@@ -1149,7 +1149,7 @@
           <a:p>
             <a:fld id="{43D9F887-C526-42E2-BE1C-7F1C55940A26}" type="datetimeFigureOut">
               <a:rPr lang="en-US" smtClean="0"/>
-              <a:t>6/11/2020</a:t>
+              <a:t>6/12/20</a:t>
             </a:fld>
             <a:endParaRPr lang="en-US"/>
           </a:p>
@@ -1414,7 +1414,7 @@
           <a:p>
             <a:fld id="{43D9F887-C526-42E2-BE1C-7F1C55940A26}" type="datetimeFigureOut">
               <a:rPr lang="en-US" smtClean="0"/>
-              <a:t>6/11/2020</a:t>
+              <a:t>6/12/20</a:t>
             </a:fld>
             <a:endParaRPr lang="en-US"/>
           </a:p>
@@ -1826,7 +1826,7 @@
           <a:p>
             <a:fld id="{43D9F887-C526-42E2-BE1C-7F1C55940A26}" type="datetimeFigureOut">
               <a:rPr lang="en-US" smtClean="0"/>
-              <a:t>6/11/2020</a:t>
+              <a:t>6/12/20</a:t>
             </a:fld>
             <a:endParaRPr lang="en-US"/>
           </a:p>
@@ -1967,7 +1967,7 @@
           <a:p>
             <a:fld id="{43D9F887-C526-42E2-BE1C-7F1C55940A26}" type="datetimeFigureOut">
               <a:rPr lang="en-US" smtClean="0"/>
-              <a:t>6/11/2020</a:t>
+              <a:t>6/12/20</a:t>
             </a:fld>
             <a:endParaRPr lang="en-US"/>
           </a:p>
@@ -2080,7 +2080,7 @@
           <a:p>
             <a:fld id="{43D9F887-C526-42E2-BE1C-7F1C55940A26}" type="datetimeFigureOut">
               <a:rPr lang="en-US" smtClean="0"/>
-              <a:t>6/11/2020</a:t>
+              <a:t>6/12/20</a:t>
             </a:fld>
             <a:endParaRPr lang="en-US"/>
           </a:p>
@@ -2391,7 +2391,7 @@
           <a:p>
             <a:fld id="{43D9F887-C526-42E2-BE1C-7F1C55940A26}" type="datetimeFigureOut">
               <a:rPr lang="en-US" smtClean="0"/>
-              <a:t>6/11/2020</a:t>
+              <a:t>6/12/20</a:t>
             </a:fld>
             <a:endParaRPr lang="en-US"/>
           </a:p>
@@ -2679,7 +2679,7 @@
           <a:p>
             <a:fld id="{43D9F887-C526-42E2-BE1C-7F1C55940A26}" type="datetimeFigureOut">
               <a:rPr lang="en-US" smtClean="0"/>
-              <a:t>6/11/2020</a:t>
+              <a:t>6/12/20</a:t>
             </a:fld>
             <a:endParaRPr lang="en-US"/>
           </a:p>
@@ -2920,7 +2920,7 @@
           <a:p>
             <a:fld id="{43D9F887-C526-42E2-BE1C-7F1C55940A26}" type="datetimeFigureOut">
               <a:rPr lang="en-US" smtClean="0"/>
-              <a:t>6/11/2020</a:t>
+              <a:t>6/12/20</a:t>
             </a:fld>
             <a:endParaRPr lang="en-US"/>
           </a:p>
@@ -4257,6 +4257,41 @@
       </p:sp>
       <p:sp>
         <p:nvSpPr>
+          <p:cNvPr id="3" name="Subtitle 2">
+            <a:extLst>
+              <a:ext uri="{FF2B5EF4-FFF2-40B4-BE49-F238E27FC236}">
+                <a16:creationId xmlns:a16="http://schemas.microsoft.com/office/drawing/2014/main" id="{F8B00C3E-1CAD-428D-B24A-C7DC560830D1}"/>
+              </a:ext>
+            </a:extLst>
+          </p:cNvPr>
+          <p:cNvSpPr>
+            <a:spLocks noGrp="1"/>
+          </p:cNvSpPr>
+          <p:nvPr>
+            <p:ph type="subTitle" idx="1"/>
+          </p:nvPr>
+        </p:nvSpPr>
+        <p:spPr>
+          <a:xfrm>
+            <a:off x="1524000" y="1894083"/>
+            <a:ext cx="9144000" cy="889398"/>
+          </a:xfrm>
+        </p:spPr>
+        <p:txBody>
+          <a:bodyPr>
+            <a:normAutofit fontScale="92500" lnSpcReduction="20000"/>
+          </a:bodyPr>
+          <a:lstStyle/>
+          <a:p>
+            <a:r>
+              <a:rPr lang="en-US" dirty="0"/>
+              <a:t>In this final session of the experiment, your job is to find as much money as possible in the environments that you’ve learned over the course of this experiment. </a:t>
+            </a:r>
+          </a:p>
+        </p:txBody>
+      </p:sp>
+      <p:sp>
+        <p:nvSpPr>
           <p:cNvPr id="7" name="TextBox 6">
             <a:extLst>
               <a:ext uri="{FF2B5EF4-FFF2-40B4-BE49-F238E27FC236}">
@@ -4284,7 +4319,7 @@
           <a:lstStyle/>
           <a:p>
             <a:r>
-              <a:rPr lang="en-US" sz="4400" dirty="0">
+              <a:rPr lang="en-US" altLang="zh-CN" sz="4400" dirty="0">
                 <a:solidFill>
                   <a:schemeClr val="bg2">
                     <a:lumMod val="75000"/>
@@ -4293,13 +4328,290 @@
               </a:rPr>
               <a:t>2</a:t>
             </a:r>
+            <a:endParaRPr lang="en-US" sz="4400" dirty="0">
+              <a:solidFill>
+                <a:schemeClr val="bg2">
+                  <a:lumMod val="75000"/>
+                </a:schemeClr>
+              </a:solidFill>
+            </a:endParaRPr>
+          </a:p>
+        </p:txBody>
+      </p:sp>
+      <p:pic>
+        <p:nvPicPr>
+          <p:cNvPr id="8" name="Picture 7">
+            <a:extLst>
+              <a:ext uri="{FF2B5EF4-FFF2-40B4-BE49-F238E27FC236}">
+                <a16:creationId xmlns:a16="http://schemas.microsoft.com/office/drawing/2014/main" id="{5C99C549-07EA-445C-9134-FBDBAA5ED561}"/>
+              </a:ext>
+            </a:extLst>
+          </p:cNvPr>
+          <p:cNvPicPr>
+            <a:picLocks noChangeAspect="1"/>
+          </p:cNvPicPr>
+          <p:nvPr/>
+        </p:nvPicPr>
+        <p:blipFill>
+          <a:blip r:embed="rId2"/>
+          <a:stretch>
+            <a:fillRect/>
+          </a:stretch>
+        </p:blipFill>
+        <p:spPr>
+          <a:xfrm>
+            <a:off x="1283769" y="3620275"/>
+            <a:ext cx="4650077" cy="2387001"/>
+          </a:xfrm>
+          <a:prstGeom prst="rect">
+            <a:avLst/>
+          </a:prstGeom>
+          <a:ln w="38100" cap="sq">
+            <a:solidFill>
+              <a:srgbClr val="000000"/>
+            </a:solidFill>
+            <a:prstDash val="solid"/>
+            <a:miter lim="800000"/>
+          </a:ln>
+          <a:effectLst>
+            <a:outerShdw blurRad="50800" dist="38100" dir="2700000" algn="tl" rotWithShape="0">
+              <a:srgbClr val="000000">
+                <a:alpha val="43000"/>
+              </a:srgbClr>
+            </a:outerShdw>
+          </a:effectLst>
+        </p:spPr>
+      </p:pic>
+      <p:sp>
+        <p:nvSpPr>
+          <p:cNvPr id="9" name="Rectangle 8">
+            <a:extLst>
+              <a:ext uri="{FF2B5EF4-FFF2-40B4-BE49-F238E27FC236}">
+                <a16:creationId xmlns:a16="http://schemas.microsoft.com/office/drawing/2014/main" id="{1B433185-21ED-4151-A630-F6E28BD8C8F2}"/>
+              </a:ext>
+            </a:extLst>
+          </p:cNvPr>
+          <p:cNvSpPr/>
+          <p:nvPr/>
+        </p:nvSpPr>
+        <p:spPr>
+          <a:xfrm>
+            <a:off x="3300884" y="3637503"/>
+            <a:ext cx="557683" cy="135653"/>
+          </a:xfrm>
+          <a:prstGeom prst="rect">
+            <a:avLst/>
+          </a:prstGeom>
+          <a:solidFill>
+            <a:srgbClr val="000000"/>
+          </a:solidFill>
+          <a:ln>
+            <a:noFill/>
+          </a:ln>
+        </p:spPr>
+        <p:style>
+          <a:lnRef idx="2">
+            <a:schemeClr val="accent1">
+              <a:shade val="50000"/>
+            </a:schemeClr>
+          </a:lnRef>
+          <a:fillRef idx="1">
+            <a:schemeClr val="accent1"/>
+          </a:fillRef>
+          <a:effectRef idx="0">
+            <a:schemeClr val="accent1"/>
+          </a:effectRef>
+          <a:fontRef idx="minor">
+            <a:schemeClr val="lt1"/>
+          </a:fontRef>
+        </p:style>
+        <p:txBody>
+          <a:bodyPr rtlCol="0" anchor="ctr"/>
+          <a:lstStyle/>
+          <a:p>
+            <a:pPr algn="ctr"/>
+            <a:endParaRPr lang="en-US"/>
+          </a:p>
+        </p:txBody>
+      </p:sp>
+      <p:sp>
+        <p:nvSpPr>
+          <p:cNvPr id="10" name="TextBox 9">
+            <a:extLst>
+              <a:ext uri="{FF2B5EF4-FFF2-40B4-BE49-F238E27FC236}">
+                <a16:creationId xmlns:a16="http://schemas.microsoft.com/office/drawing/2014/main" id="{448F194D-80AE-43BF-B19D-2119A24489BE}"/>
+              </a:ext>
+            </a:extLst>
+          </p:cNvPr>
+          <p:cNvSpPr txBox="1"/>
+          <p:nvPr/>
+        </p:nvSpPr>
+        <p:spPr>
+          <a:xfrm>
+            <a:off x="3033347" y="3597607"/>
+            <a:ext cx="1011114" cy="215444"/>
+          </a:xfrm>
+          <a:prstGeom prst="rect">
+            <a:avLst/>
+          </a:prstGeom>
+          <a:noFill/>
+        </p:spPr>
+        <p:txBody>
+          <a:bodyPr wrap="square" rtlCol="0">
+            <a:spAutoFit/>
+          </a:bodyPr>
+          <a:lstStyle/>
+          <a:p>
+            <a:r>
+              <a:rPr lang="en-US" sz="800" dirty="0">
+                <a:solidFill>
+                  <a:schemeClr val="bg1"/>
+                </a:solidFill>
+              </a:rPr>
+              <a:t>Search For Money</a:t>
+            </a:r>
+          </a:p>
+        </p:txBody>
+      </p:sp>
+      <p:pic>
+        <p:nvPicPr>
+          <p:cNvPr id="11" name="Picture 10">
+            <a:extLst>
+              <a:ext uri="{FF2B5EF4-FFF2-40B4-BE49-F238E27FC236}">
+                <a16:creationId xmlns:a16="http://schemas.microsoft.com/office/drawing/2014/main" id="{84391884-1BB3-4D59-B3A4-A0E972FC73C9}"/>
+              </a:ext>
+            </a:extLst>
+          </p:cNvPr>
+          <p:cNvPicPr>
+            <a:picLocks noChangeAspect="1"/>
+          </p:cNvPicPr>
+          <p:nvPr/>
+        </p:nvPicPr>
+        <p:blipFill>
+          <a:blip r:embed="rId3"/>
+          <a:stretch>
+            <a:fillRect/>
+          </a:stretch>
+        </p:blipFill>
+        <p:spPr>
+          <a:xfrm>
+            <a:off x="6620699" y="3620274"/>
+            <a:ext cx="4650077" cy="2387001"/>
+          </a:xfrm>
+          <a:prstGeom prst="rect">
+            <a:avLst/>
+          </a:prstGeom>
+          <a:ln w="38100" cap="sq">
+            <a:solidFill>
+              <a:srgbClr val="000000"/>
+            </a:solidFill>
+            <a:prstDash val="solid"/>
+            <a:miter lim="800000"/>
+          </a:ln>
+          <a:effectLst>
+            <a:outerShdw blurRad="50800" dist="38100" dir="2700000" algn="tl" rotWithShape="0">
+              <a:srgbClr val="000000">
+                <a:alpha val="43000"/>
+              </a:srgbClr>
+            </a:outerShdw>
+          </a:effectLst>
+        </p:spPr>
+      </p:pic>
+      <p:sp>
+        <p:nvSpPr>
+          <p:cNvPr id="12" name="Rectangle 11">
+            <a:extLst>
+              <a:ext uri="{FF2B5EF4-FFF2-40B4-BE49-F238E27FC236}">
+                <a16:creationId xmlns:a16="http://schemas.microsoft.com/office/drawing/2014/main" id="{7ACEE705-7A74-4287-9518-01458A73F9AC}"/>
+              </a:ext>
+            </a:extLst>
+          </p:cNvPr>
+          <p:cNvSpPr/>
+          <p:nvPr/>
+        </p:nvSpPr>
+        <p:spPr>
+          <a:xfrm>
+            <a:off x="8680311" y="3637503"/>
+            <a:ext cx="557683" cy="135653"/>
+          </a:xfrm>
+          <a:prstGeom prst="rect">
+            <a:avLst/>
+          </a:prstGeom>
+          <a:solidFill>
+            <a:srgbClr val="000000"/>
+          </a:solidFill>
+          <a:ln>
+            <a:noFill/>
+          </a:ln>
+        </p:spPr>
+        <p:style>
+          <a:lnRef idx="2">
+            <a:schemeClr val="accent1">
+              <a:shade val="50000"/>
+            </a:schemeClr>
+          </a:lnRef>
+          <a:fillRef idx="1">
+            <a:schemeClr val="accent1"/>
+          </a:fillRef>
+          <a:effectRef idx="0">
+            <a:schemeClr val="accent1"/>
+          </a:effectRef>
+          <a:fontRef idx="minor">
+            <a:schemeClr val="lt1"/>
+          </a:fontRef>
+        </p:style>
+        <p:txBody>
+          <a:bodyPr rtlCol="0" anchor="ctr"/>
+          <a:lstStyle/>
+          <a:p>
+            <a:pPr algn="ctr"/>
+            <a:endParaRPr lang="en-US"/>
+          </a:p>
+        </p:txBody>
+      </p:sp>
+      <p:sp>
+        <p:nvSpPr>
+          <p:cNvPr id="13" name="TextBox 12">
+            <a:extLst>
+              <a:ext uri="{FF2B5EF4-FFF2-40B4-BE49-F238E27FC236}">
+                <a16:creationId xmlns:a16="http://schemas.microsoft.com/office/drawing/2014/main" id="{E4B10273-2490-4798-92F7-4CDB253F382F}"/>
+              </a:ext>
+            </a:extLst>
+          </p:cNvPr>
+          <p:cNvSpPr txBox="1"/>
+          <p:nvPr/>
+        </p:nvSpPr>
+        <p:spPr>
+          <a:xfrm>
+            <a:off x="8412774" y="3597607"/>
+            <a:ext cx="1011114" cy="215444"/>
+          </a:xfrm>
+          <a:prstGeom prst="rect">
+            <a:avLst/>
+          </a:prstGeom>
+          <a:noFill/>
+        </p:spPr>
+        <p:txBody>
+          <a:bodyPr wrap="square" rtlCol="0">
+            <a:spAutoFit/>
+          </a:bodyPr>
+          <a:lstStyle/>
+          <a:p>
+            <a:r>
+              <a:rPr lang="en-US" sz="800" dirty="0">
+                <a:solidFill>
+                  <a:schemeClr val="bg1"/>
+                </a:solidFill>
+              </a:rPr>
+              <a:t>Search For Money</a:t>
+            </a:r>
           </a:p>
         </p:txBody>
       </p:sp>
     </p:spTree>
     <p:extLst>
       <p:ext uri="{BB962C8B-B14F-4D97-AF65-F5344CB8AC3E}">
-        <p14:creationId xmlns:p14="http://schemas.microsoft.com/office/powerpoint/2010/main" val="4023285758"/>
+        <p14:creationId xmlns:p14="http://schemas.microsoft.com/office/powerpoint/2010/main" val="4245084628"/>
       </p:ext>
     </p:extLst>
   </p:cSld>
@@ -7303,52 +7615,6 @@
       </p:grpSpPr>
       <p:sp>
         <p:nvSpPr>
-          <p:cNvPr id="2" name="Title 1">
-            <a:extLst>
-              <a:ext uri="{FF2B5EF4-FFF2-40B4-BE49-F238E27FC236}">
-                <a16:creationId xmlns:a16="http://schemas.microsoft.com/office/drawing/2014/main" id="{83607943-36EB-40C9-8F9A-410DA0A190B9}"/>
-              </a:ext>
-            </a:extLst>
-          </p:cNvPr>
-          <p:cNvSpPr>
-            <a:spLocks noGrp="1"/>
-          </p:cNvSpPr>
-          <p:nvPr>
-            <p:ph type="title"/>
-          </p:nvPr>
-        </p:nvSpPr>
-        <p:spPr>
-          <a:xfrm>
-            <a:off x="760708" y="721586"/>
-            <a:ext cx="10515600" cy="1325563"/>
-          </a:xfrm>
-        </p:spPr>
-        <p:txBody>
-          <a:bodyPr>
-            <a:noAutofit/>
-          </a:bodyPr>
-          <a:lstStyle/>
-          <a:p>
-            <a:pPr algn="ctr"/>
-            <a:r>
-              <a:rPr lang="en-US" sz="2800" b="1" dirty="0"/>
-              <a:t>Do you have any questions about this portion of the experiment?</a:t>
-            </a:r>
-            <a:br>
-              <a:rPr lang="en-US" sz="2800" dirty="0"/>
-            </a:br>
-            <a:br>
-              <a:rPr lang="en-US" sz="2800" dirty="0"/>
-            </a:br>
-            <a:r>
-              <a:rPr lang="en-US" sz="2800" dirty="0"/>
-              <a:t>The experimenter will now leave the room and let you continue on your own. When this portion of the experiment is over you will be asked to notify the experimenter. </a:t>
-            </a:r>
-          </a:p>
-        </p:txBody>
-      </p:sp>
-      <p:sp>
-        <p:nvSpPr>
           <p:cNvPr id="4" name="Content Placeholder 2">
             <a:extLst>
               <a:ext uri="{FF2B5EF4-FFF2-40B4-BE49-F238E27FC236}">
@@ -7365,7 +7631,7 @@
         </p:nvSpPr>
         <p:spPr>
           <a:xfrm>
-            <a:off x="972518" y="5726993"/>
+            <a:off x="838200" y="1854654"/>
             <a:ext cx="10515600" cy="926584"/>
           </a:xfrm>
         </p:spPr>
@@ -7378,7 +7644,15 @@
             </a:pPr>
             <a:r>
               <a:rPr lang="en-US" dirty="0"/>
-              <a:t>Place your right hand on the arrow keys and press the </a:t>
+              <a:t>When you’re ready, place your right hand on the </a:t>
+            </a:r>
+            <a:r>
+              <a:rPr lang="en-US" b="1" dirty="0"/>
+              <a:t>arrow keys </a:t>
+            </a:r>
+            <a:r>
+              <a:rPr lang="en-US" dirty="0"/>
+              <a:t>and press the </a:t>
             </a:r>
             <a:r>
               <a:rPr lang="en-US" b="1" dirty="0"/>
@@ -7405,7 +7679,7 @@
         </p:nvGrpSpPr>
         <p:grpSpPr>
           <a:xfrm>
-            <a:off x="2892047" y="2056813"/>
+            <a:off x="3055230" y="3092498"/>
             <a:ext cx="6635214" cy="3369471"/>
             <a:chOff x="3046314" y="2593696"/>
             <a:chExt cx="6635214" cy="3369471"/>
@@ -7507,8 +7781,8 @@
             </a:prstGeom>
             <a:noFill/>
             <a:extLst>
-              <a:ext uri="{909E8E84-426E-40DD-AFC4-6F175D3DCCD1}">
-                <a14:hiddenFill xmlns:a14="http://schemas.microsoft.com/office/drawing/2010/main">
+              <a:ext uri="{909E8E84-426E-40dd-AFC4-6F175D3DCCD1}">
+                <a14:hiddenFill xmlns="" xmlns:a14="http://schemas.microsoft.com/office/drawing/2010/main">
                   <a:solidFill>
                     <a:srgbClr val="FFFFFF"/>
                   </a:solidFill>
@@ -7552,8 +7826,8 @@
             </a:prstGeom>
             <a:noFill/>
             <a:extLst>
-              <a:ext uri="{909E8E84-426E-40DD-AFC4-6F175D3DCCD1}">
-                <a14:hiddenFill xmlns:a14="http://schemas.microsoft.com/office/drawing/2010/main">
+              <a:ext uri="{909E8E84-426E-40dd-AFC4-6F175D3DCCD1}">
+                <a14:hiddenFill xmlns="" xmlns:a14="http://schemas.microsoft.com/office/drawing/2010/main">
                   <a:solidFill>
                     <a:srgbClr val="FFFFFF"/>
                   </a:solidFill>
@@ -7589,7 +7863,7 @@
           </p:blipFill>
           <p:spPr bwMode="auto">
             <a:xfrm flipH="1">
-              <a:off x="7582539" y="3561143"/>
+              <a:off x="7582539" y="3650972"/>
               <a:ext cx="1526850" cy="1857375"/>
             </a:xfrm>
             <a:prstGeom prst="rect">
@@ -7597,8 +7871,8 @@
             </a:prstGeom>
             <a:noFill/>
             <a:extLst>
-              <a:ext uri="{909E8E84-426E-40DD-AFC4-6F175D3DCCD1}">
-                <a14:hiddenFill xmlns:a14="http://schemas.microsoft.com/office/drawing/2010/main">
+              <a:ext uri="{909E8E84-426E-40dd-AFC4-6F175D3DCCD1}">
+                <a14:hiddenFill xmlns="" xmlns:a14="http://schemas.microsoft.com/office/drawing/2010/main">
                   <a:solidFill>
                     <a:srgbClr val="FFFFFF"/>
                   </a:solidFill>
@@ -7608,10 +7882,45 @@
           </p:spPr>
         </p:pic>
       </p:grpSp>
+      <p:sp>
+        <p:nvSpPr>
+          <p:cNvPr id="10" name="TextBox 9">
+            <a:extLst>
+              <a:ext uri="{FF2B5EF4-FFF2-40B4-BE49-F238E27FC236}">
+                <a16:creationId xmlns:a16="http://schemas.microsoft.com/office/drawing/2014/main" id="{B0633A1B-2C7E-4589-A1DB-D278C850A745}"/>
+              </a:ext>
+            </a:extLst>
+          </p:cNvPr>
+          <p:cNvSpPr txBox="1"/>
+          <p:nvPr/>
+        </p:nvSpPr>
+        <p:spPr>
+          <a:xfrm>
+            <a:off x="5307322" y="679523"/>
+            <a:ext cx="1577355" cy="646331"/>
+          </a:xfrm>
+          <a:prstGeom prst="rect">
+            <a:avLst/>
+          </a:prstGeom>
+          <a:noFill/>
+        </p:spPr>
+        <p:txBody>
+          <a:bodyPr wrap="none" rtlCol="0">
+            <a:spAutoFit/>
+          </a:bodyPr>
+          <a:lstStyle/>
+          <a:p>
+            <a:r>
+              <a:rPr lang="en-US" sz="3600" b="1" dirty="0"/>
+              <a:t>Ready?</a:t>
+            </a:r>
+          </a:p>
+        </p:txBody>
+      </p:sp>
     </p:spTree>
     <p:extLst>
       <p:ext uri="{BB962C8B-B14F-4D97-AF65-F5344CB8AC3E}">
-        <p14:creationId xmlns:p14="http://schemas.microsoft.com/office/powerpoint/2010/main" val="1240964489"/>
+        <p14:creationId xmlns:p14="http://schemas.microsoft.com/office/powerpoint/2010/main" val="2308276908"/>
       </p:ext>
     </p:extLst>
   </p:cSld>

--- a/Assets/StreamingAssets/2D_Objects/Test/~Test Instructions.pptx
+++ b/Assets/StreamingAssets/2D_Objects/Test/~Test Instructions.pptx
@@ -270,7 +270,7 @@
           <a:p>
             <a:fld id="{43D9F887-C526-42E2-BE1C-7F1C55940A26}" type="datetimeFigureOut">
               <a:rPr lang="en-US" smtClean="0"/>
-              <a:t>6/11/2020</a:t>
+              <a:t>6/13/2020</a:t>
             </a:fld>
             <a:endParaRPr lang="en-US"/>
           </a:p>
@@ -468,7 +468,7 @@
           <a:p>
             <a:fld id="{43D9F887-C526-42E2-BE1C-7F1C55940A26}" type="datetimeFigureOut">
               <a:rPr lang="en-US" smtClean="0"/>
-              <a:t>6/11/2020</a:t>
+              <a:t>6/13/2020</a:t>
             </a:fld>
             <a:endParaRPr lang="en-US"/>
           </a:p>
@@ -676,7 +676,7 @@
           <a:p>
             <a:fld id="{43D9F887-C526-42E2-BE1C-7F1C55940A26}" type="datetimeFigureOut">
               <a:rPr lang="en-US" smtClean="0"/>
-              <a:t>6/11/2020</a:t>
+              <a:t>6/13/2020</a:t>
             </a:fld>
             <a:endParaRPr lang="en-US"/>
           </a:p>
@@ -874,7 +874,7 @@
           <a:p>
             <a:fld id="{43D9F887-C526-42E2-BE1C-7F1C55940A26}" type="datetimeFigureOut">
               <a:rPr lang="en-US" smtClean="0"/>
-              <a:t>6/11/2020</a:t>
+              <a:t>6/13/2020</a:t>
             </a:fld>
             <a:endParaRPr lang="en-US"/>
           </a:p>
@@ -1149,7 +1149,7 @@
           <a:p>
             <a:fld id="{43D9F887-C526-42E2-BE1C-7F1C55940A26}" type="datetimeFigureOut">
               <a:rPr lang="en-US" smtClean="0"/>
-              <a:t>6/11/2020</a:t>
+              <a:t>6/13/2020</a:t>
             </a:fld>
             <a:endParaRPr lang="en-US"/>
           </a:p>
@@ -1414,7 +1414,7 @@
           <a:p>
             <a:fld id="{43D9F887-C526-42E2-BE1C-7F1C55940A26}" type="datetimeFigureOut">
               <a:rPr lang="en-US" smtClean="0"/>
-              <a:t>6/11/2020</a:t>
+              <a:t>6/13/2020</a:t>
             </a:fld>
             <a:endParaRPr lang="en-US"/>
           </a:p>
@@ -1826,7 +1826,7 @@
           <a:p>
             <a:fld id="{43D9F887-C526-42E2-BE1C-7F1C55940A26}" type="datetimeFigureOut">
               <a:rPr lang="en-US" smtClean="0"/>
-              <a:t>6/11/2020</a:t>
+              <a:t>6/13/2020</a:t>
             </a:fld>
             <a:endParaRPr lang="en-US"/>
           </a:p>
@@ -1967,7 +1967,7 @@
           <a:p>
             <a:fld id="{43D9F887-C526-42E2-BE1C-7F1C55940A26}" type="datetimeFigureOut">
               <a:rPr lang="en-US" smtClean="0"/>
-              <a:t>6/11/2020</a:t>
+              <a:t>6/13/2020</a:t>
             </a:fld>
             <a:endParaRPr lang="en-US"/>
           </a:p>
@@ -2080,7 +2080,7 @@
           <a:p>
             <a:fld id="{43D9F887-C526-42E2-BE1C-7F1C55940A26}" type="datetimeFigureOut">
               <a:rPr lang="en-US" smtClean="0"/>
-              <a:t>6/11/2020</a:t>
+              <a:t>6/13/2020</a:t>
             </a:fld>
             <a:endParaRPr lang="en-US"/>
           </a:p>
@@ -2391,7 +2391,7 @@
           <a:p>
             <a:fld id="{43D9F887-C526-42E2-BE1C-7F1C55940A26}" type="datetimeFigureOut">
               <a:rPr lang="en-US" smtClean="0"/>
-              <a:t>6/11/2020</a:t>
+              <a:t>6/13/2020</a:t>
             </a:fld>
             <a:endParaRPr lang="en-US"/>
           </a:p>
@@ -2679,7 +2679,7 @@
           <a:p>
             <a:fld id="{43D9F887-C526-42E2-BE1C-7F1C55940A26}" type="datetimeFigureOut">
               <a:rPr lang="en-US" smtClean="0"/>
-              <a:t>6/11/2020</a:t>
+              <a:t>6/13/2020</a:t>
             </a:fld>
             <a:endParaRPr lang="en-US"/>
           </a:p>
@@ -2920,7 +2920,7 @@
           <a:p>
             <a:fld id="{43D9F887-C526-42E2-BE1C-7F1C55940A26}" type="datetimeFigureOut">
               <a:rPr lang="en-US" smtClean="0"/>
-              <a:t>6/11/2020</a:t>
+              <a:t>6/13/2020</a:t>
             </a:fld>
             <a:endParaRPr lang="en-US"/>
           </a:p>
